--- a/Lesson 1 Python.pptx
+++ b/Lesson 1 Python.pptx
@@ -285,6 +285,11 @@
       </a:defRPr>
     </a:lvl9pPr>
   </p:defaultTextStyle>
+  <p:extLst>
+    <p:ext uri="{EFAFB233-063F-42B5-8137-9DF3F51BA10A}">
+      <p15:sldGuideLst xmlns:p15="http://schemas.microsoft.com/office/powerpoint/2012/main"/>
+    </p:ext>
+  </p:extLst>
 </p:presentation>
 </file>
 
@@ -24781,7 +24786,15 @@
             <a:pPr marL="0" indent="0"/>
             <a:r>
               <a:rPr lang="el-GR" dirty="0"/>
-              <a:t>Προσοχή! 1-3 καθώς θα σταματήσει στο 4ο </a:t>
+              <a:t>Προσοχή! </a:t>
+            </a:r>
+            <a:r>
+              <a:rPr lang="en-US" dirty="0"/>
+              <a:t>0</a:t>
+            </a:r>
+            <a:r>
+              <a:rPr lang="el-GR" dirty="0"/>
+              <a:t>-3 καθώς θα σταματήσει στο 4ο </a:t>
             </a:r>
             <a:r>
               <a:rPr lang="el-GR" dirty="0" err="1"/>
@@ -24793,7 +24806,15 @@
             <a:pPr marL="0" indent="0"/>
             <a:r>
               <a:rPr lang="el-GR" dirty="0"/>
-              <a:t>αν βάζαμε 2 θα έδειχνε το 1ο και το 2ο </a:t>
+              <a:t>αν βάζαμε </a:t>
+            </a:r>
+            <a:r>
+              <a:rPr lang="en-US" dirty="0"/>
+              <a:t>3</a:t>
+            </a:r>
+            <a:r>
+              <a:rPr lang="el-GR" dirty="0"/>
+              <a:t> θα έδειχνε το 1ο και το 2ο </a:t>
             </a:r>
             <a:r>
               <a:rPr lang="el-GR" dirty="0" err="1"/>

--- a/Lesson 1 Python.pptx
+++ b/Lesson 1 Python.pptx
@@ -20708,7 +20708,7 @@
             </a:pPr>
             <a:r>
               <a:rPr lang="el-GR" dirty="0"/>
-              <a:t>σε τέτοιους τύπους αποθηκεύονται λέξεις οι προτάσεις</a:t>
+              <a:t>Σε τέτοιους τύπους αποθηκεύονται λέξεις οι προτάσεις</a:t>
             </a:r>
           </a:p>
           <a:p>
@@ -20777,15 +20777,7 @@
             </a:pPr>
             <a:r>
               <a:rPr lang="el-GR" dirty="0"/>
-              <a:t>αυτά </a:t>
-            </a:r>
-            <a:r>
-              <a:rPr lang="el-GR" dirty="0" err="1"/>
-              <a:t>ειναι</a:t>
-            </a:r>
-            <a:r>
-              <a:rPr lang="el-GR" dirty="0"/>
-              <a:t> όλα </a:t>
+              <a:t>Αυτά είναι όλα </a:t>
             </a:r>
             <a:r>
               <a:rPr lang="en-US" dirty="0"/>
@@ -20871,23 +20863,7 @@
             </a:pPr>
             <a:r>
               <a:rPr lang="el-GR" dirty="0"/>
-              <a:t>ελληνικά -&gt; ακέραιος. όταν έχεις κάποιο ακέραιο αριθμό που θα θες να </a:t>
-            </a:r>
-            <a:r>
-              <a:rPr lang="el-GR" dirty="0" err="1"/>
-              <a:t>αποθηκευσεις</a:t>
-            </a:r>
-            <a:r>
-              <a:rPr lang="el-GR" dirty="0"/>
-              <a:t> σε μια μεταβλητή θα </a:t>
-            </a:r>
-            <a:r>
-              <a:rPr lang="el-GR" dirty="0" err="1"/>
-              <a:t>ειναι</a:t>
-            </a:r>
-            <a:r>
-              <a:rPr lang="el-GR" dirty="0"/>
-              <a:t> </a:t>
+              <a:t>Ελληνικά -&gt; ακέραιος. Όταν έχεις κάποιο ακέραιο αριθμό που θα θες να αποθηκεύσεις σε μια μεταβλητή θα είναι </a:t>
             </a:r>
             <a:r>
               <a:rPr lang="el-GR" dirty="0" err="1"/>
@@ -20961,7 +20937,7 @@
             </a:pPr>
             <a:r>
               <a:rPr lang="el-GR" dirty="0"/>
-              <a:t>αυτό μπορείς να το κάνεις για </a:t>
+              <a:t>Αυτό μπορείς να το κάνεις για </a:t>
             </a:r>
             <a:r>
               <a:rPr lang="el-GR" dirty="0" err="1"/>
@@ -21052,7 +21028,7 @@
             </a:pPr>
             <a:r>
               <a:rPr lang="el-GR" dirty="0"/>
-              <a:t>ελληνικά -&gt; δεκαδικός. πχ 5.38</a:t>
+              <a:t>Ελληνικά -&gt; δεκαδικός. πχ 5.38</a:t>
             </a:r>
             <a:endParaRPr lang="en-US" dirty="0"/>
           </a:p>
@@ -21134,20 +21110,8 @@
               <a:buNone/>
             </a:pPr>
             <a:r>
-              <a:rPr lang="el-GR" dirty="0" err="1"/>
-              <a:t>ειναι</a:t>
-            </a:r>
-            <a:r>
               <a:rPr lang="el-GR" dirty="0"/>
-              <a:t> δυαδικές τιμές 0 ή 1 </a:t>
-            </a:r>
-            <a:r>
-              <a:rPr lang="el-GR" dirty="0" err="1"/>
-              <a:t>αλλίως</a:t>
-            </a:r>
-            <a:r>
-              <a:rPr lang="el-GR" dirty="0"/>
-              <a:t> </a:t>
+              <a:t>Είναι δυαδικές τιμές 0 ή 1 αλλιώς </a:t>
             </a:r>
             <a:r>
               <a:rPr lang="el-GR" dirty="0" err="1"/>
@@ -21253,7 +21217,7 @@
             </a:pPr>
             <a:r>
               <a:rPr lang="el-GR" dirty="0"/>
-              <a:t>περιέχει πραγματικούς αριθμούς</a:t>
+              <a:t>Περιέχει πραγματικούς αριθμούς</a:t>
             </a:r>
           </a:p>
           <a:p>
@@ -21388,7 +21352,7 @@
             </a:pPr>
             <a:r>
               <a:rPr lang="el-GR" dirty="0"/>
-              <a:t>όταν θέλουμε να αλλάξουμε έναν τύπο μεταβλητής σε έναν άλλο χρησιμοποιούμε την εκάστοτε συνάρτηση για την αλλαγή</a:t>
+              <a:t>Όταν θέλουμε να αλλάξουμε έναν τύπο μεταβλητής σε έναν άλλο χρησιμοποιούμε την εκάστοτε συνάρτηση για την αλλαγή</a:t>
             </a:r>
           </a:p>
           <a:p>
@@ -21463,7 +21427,7 @@
             </a:pPr>
             <a:r>
               <a:rPr lang="en-US" dirty="0"/>
-              <a:t>convert</a:t>
+              <a:t>Convert</a:t>
             </a:r>
           </a:p>
         </p:txBody>
@@ -21980,23 +21944,7 @@
                   <a:schemeClr val="dk1"/>
                 </a:solidFill>
               </a:rPr>
-              <a:t>Οι πράξεις που υπάρχουν στην </a:t>
-            </a:r>
-            <a:r>
-              <a:rPr lang="el-GR" sz="3000" dirty="0" err="1">
-                <a:solidFill>
-                  <a:schemeClr val="dk1"/>
-                </a:solidFill>
-              </a:rPr>
-              <a:t>Python</a:t>
-            </a:r>
-            <a:r>
-              <a:rPr lang="el-GR" sz="3000" dirty="0">
-                <a:solidFill>
-                  <a:schemeClr val="dk1"/>
-                </a:solidFill>
-              </a:rPr>
-              <a:t> είναι</a:t>
+              <a:t>Οι πράξεις που υπάρχουν στην Python είναι</a:t>
             </a:r>
             <a:br>
               <a:rPr lang="el-GR" sz="3000" dirty="0">
@@ -24735,8 +24683,16 @@
           <a:p>
             <a:pPr marL="0" indent="0"/>
             <a:r>
+              <a:rPr lang="el-GR" dirty="0">
+                <a:solidFill>
+                  <a:schemeClr val="tx2"/>
+                </a:solidFill>
+              </a:rPr>
+              <a:t>Προσοχή! </a:t>
+            </a:r>
+            <a:r>
               <a:rPr lang="el-GR" dirty="0"/>
-              <a:t>Προσοχή! Οι τιμές ξεκινάν </a:t>
+              <a:t>Οι τιμές ξεκινάν </a:t>
             </a:r>
             <a:r>
               <a:rPr lang="el-GR" dirty="0" err="1"/>
@@ -24785,7 +24741,11 @@
           <a:p>
             <a:pPr marL="0" indent="0"/>
             <a:r>
-              <a:rPr lang="el-GR" dirty="0"/>
+              <a:rPr lang="el-GR" dirty="0">
+                <a:solidFill>
+                  <a:schemeClr val="tx2"/>
+                </a:solidFill>
+              </a:rPr>
               <a:t>Προσοχή! </a:t>
             </a:r>
             <a:r>
@@ -25538,7 +25498,7 @@
             <a:pPr marL="0" indent="0"/>
             <a:r>
               <a:rPr lang="el-GR" dirty="0"/>
-              <a:t>προστίθεται το αντικείμενο </a:t>
+              <a:t>Προστίθεται το αντικείμενο </a:t>
             </a:r>
             <a:r>
               <a:rPr lang="el-GR" dirty="0" err="1"/>
@@ -25592,7 +25552,7 @@
             <a:pPr marL="0" indent="0"/>
             <a:r>
               <a:rPr lang="el-GR" dirty="0"/>
-              <a:t>προστίθεται το αντικείμενο στην θέση που του υποδεικνύουμε.</a:t>
+              <a:t>Προστίθεται το αντικείμενο στην θέση που του υποδεικνύουμε.</a:t>
             </a:r>
           </a:p>
         </p:txBody>
@@ -26710,7 +26670,7 @@
             </a:pPr>
             <a:r>
               <a:rPr lang="el-GR" dirty="0"/>
-              <a:t>διαγράφει το αντικείμενο στη συγκεκριμένη θέση</a:t>
+              <a:t>Διαγράφει το αντικείμενο στη συγκεκριμένη θέση</a:t>
             </a:r>
           </a:p>
         </p:txBody>
@@ -28350,15 +28310,7 @@
             </a:pPr>
             <a:r>
               <a:rPr lang="el-GR" dirty="0"/>
-              <a:t>Για να μπορέσουμε να έχουμε πρόσβαση σε κάθε αντικείμενο της λίστας χρησιμοποιούμε μια </a:t>
-            </a:r>
-            <a:r>
-              <a:rPr lang="el-GR" dirty="0" err="1"/>
-              <a:t>forr</a:t>
-            </a:r>
-            <a:r>
-              <a:rPr lang="el-GR" dirty="0"/>
-              <a:t> </a:t>
+              <a:t>Για να μπορέσουμε να έχουμε πρόσβαση σε κάθε αντικείμενο της λίστας χρησιμοποιούμε μια for </a:t>
             </a:r>
             <a:r>
               <a:rPr lang="el-GR" dirty="0" err="1"/>
@@ -28534,15 +28486,7 @@
             </a:pPr>
             <a:r>
               <a:rPr lang="el-GR" dirty="0"/>
-              <a:t>όταν θέλουμε συγκεκριμένα αντικείμενα </a:t>
-            </a:r>
-            <a:r>
-              <a:rPr lang="el-GR" dirty="0" err="1"/>
-              <a:t>απο</a:t>
-            </a:r>
-            <a:r>
-              <a:rPr lang="el-GR" dirty="0"/>
-              <a:t> την λίστα</a:t>
+              <a:t>Όταν θέλουμε συγκεκριμένα αντικείμενα από την λίστα</a:t>
             </a:r>
           </a:p>
           <a:p>
@@ -29075,15 +29019,7 @@
             </a:pPr>
             <a:r>
               <a:rPr lang="el-GR" dirty="0"/>
-              <a:t>μας φέρνουν πίσω τη μέγιστη και την ελάχιστη </a:t>
-            </a:r>
-            <a:r>
-              <a:rPr lang="el-GR" dirty="0" err="1"/>
-              <a:t>τιμη</a:t>
-            </a:r>
-            <a:r>
-              <a:rPr lang="el-GR" dirty="0"/>
-              <a:t> (σε λίστες με </a:t>
+              <a:t>Μας φέρνουν πίσω τη μέγιστη και την ελάχιστη τιμή (σε λίστες με </a:t>
             </a:r>
             <a:r>
               <a:rPr lang="el-GR" dirty="0" err="1"/>
@@ -29248,7 +29184,7 @@
             </a:pPr>
             <a:r>
               <a:rPr lang="el-GR" dirty="0"/>
-              <a:t>χρησιμοποιείται για να φέρει το άθροισμα των τιμών μιας λίστας. Χρησιμοποιείται κυρίως σε αριθμητικές λίστες.</a:t>
+              <a:t>Χρησιμοποιείται για να φέρει το άθροισμα των τιμών μιας λίστας. Χρησιμοποιείται κυρίως σε αριθμητικές λίστες.</a:t>
             </a:r>
           </a:p>
         </p:txBody>
@@ -29928,15 +29864,7 @@
             </a:pPr>
             <a:r>
               <a:rPr lang="el-GR" dirty="0"/>
-              <a:t>Για να κατεβάσεις </a:t>
-            </a:r>
-            <a:r>
-              <a:rPr lang="el-GR" dirty="0" err="1"/>
-              <a:t>python</a:t>
-            </a:r>
-            <a:r>
-              <a:rPr lang="el-GR" dirty="0"/>
-              <a:t> πηγαίνεις στο</a:t>
+              <a:t>Για να κατεβάσεις python πηγαίνεις στο</a:t>
             </a:r>
           </a:p>
           <a:p>
@@ -29966,12 +29894,8 @@
               <a:t> </a:t>
             </a:r>
             <a:r>
-              <a:rPr lang="el-GR" dirty="0" err="1"/>
-              <a:t>απο</a:t>
-            </a:r>
-            <a:r>
               <a:rPr lang="el-GR" dirty="0"/>
-              <a:t> εκεί στα </a:t>
+              <a:t>από εκεί στα </a:t>
             </a:r>
             <a:r>
               <a:rPr lang="el-GR" dirty="0" err="1"/>
@@ -30045,11 +29969,7 @@
             </a:pPr>
             <a:r>
               <a:rPr lang="el-GR" dirty="0"/>
-              <a:t>Για να δεις αν έχεις ήδη </a:t>
-            </a:r>
-            <a:r>
-              <a:rPr lang="el-GR" dirty="0" err="1"/>
-              <a:t>Python</a:t>
+              <a:t>Για να δεις αν έχεις ήδη Python</a:t>
             </a:r>
             <a:endParaRPr lang="en-US" dirty="0"/>
           </a:p>
@@ -30318,7 +30238,7 @@
             </a:pPr>
             <a:r>
               <a:rPr lang="el-GR" dirty="0"/>
-              <a:t>1. ανοίγεις το </a:t>
+              <a:t>1. Ανοίγεις το </a:t>
             </a:r>
             <a:r>
               <a:rPr lang="en-US" dirty="0"/>
@@ -30333,7 +30253,7 @@
             </a:r>
             <a:r>
               <a:rPr lang="el-GR" dirty="0"/>
-              <a:t>γράφεις</a:t>
+              <a:t>Γράφεις</a:t>
             </a:r>
             <a:r>
               <a:rPr lang="en-US" dirty="0"/>
@@ -31378,20 +31298,7 @@
                 </a:highlight>
                 <a:latin typeface="Consolas" panose="020B0609020204030204" pitchFamily="49" charset="0"/>
               </a:rPr>
-              <a:t>Για να τρέξεις ένα αρχείο </a:t>
-            </a:r>
-            <a:r>
-              <a:rPr lang="el-GR" b="1" dirty="0" err="1">
-                <a:solidFill>
-                  <a:srgbClr val="569CD6"/>
-                </a:solidFill>
-                <a:effectLst/>
-                <a:highlight>
-                  <a:srgbClr val="1F1F1F"/>
-                </a:highlight>
-                <a:latin typeface="Consolas" panose="020B0609020204030204" pitchFamily="49" charset="0"/>
-              </a:rPr>
-              <a:t>python</a:t>
+              <a:t>Για να τρέξεις ένα αρχείο python</a:t>
             </a:r>
             <a:endParaRPr lang="el-GR" b="0" dirty="0">
               <a:solidFill>
@@ -31687,7 +31594,7 @@
           <a:p>
             <a:r>
               <a:rPr lang="el-GR" dirty="0"/>
-              <a:t>1. ανοίγεις </a:t>
+              <a:t>1. Ανοίγεις </a:t>
             </a:r>
             <a:r>
               <a:rPr lang="en-US" dirty="0"/>
@@ -31701,7 +31608,7 @@
             </a:r>
             <a:r>
               <a:rPr lang="el-GR" dirty="0"/>
-              <a:t>γράφεις</a:t>
+              <a:t>Γράφεις</a:t>
             </a:r>
             <a:r>
               <a:rPr lang="en-US" dirty="0"/>
@@ -32658,7 +32565,7 @@
           <a:p>
             <a:r>
               <a:rPr lang="el-GR" dirty="0"/>
-              <a:t>θα κατεβάσεις το </a:t>
+              <a:t>Θα κατεβάσεις το </a:t>
             </a:r>
             <a:r>
               <a:rPr lang="el-GR" dirty="0">
@@ -32674,7 +32581,7 @@
           <a:p>
             <a:r>
               <a:rPr lang="el-GR" dirty="0"/>
-              <a:t>είναι το πιο διαδεδομένο </a:t>
+              <a:t>Είναι το πιο διαδεδομένο </a:t>
             </a:r>
             <a:r>
               <a:rPr lang="el-GR" dirty="0" err="1"/>
@@ -33097,23 +33004,7 @@
             </a:pPr>
             <a:r>
               <a:rPr lang="el-GR" dirty="0"/>
-              <a:t>όταν γράφεις </a:t>
-            </a:r>
-            <a:r>
-              <a:rPr lang="el-GR" dirty="0" err="1"/>
-              <a:t>Python</a:t>
-            </a:r>
-            <a:r>
-              <a:rPr lang="el-GR" dirty="0"/>
-              <a:t> θα πρέπει να προσέχεις τα κενά που αφήνεις στην αρχή κάθε γραμμής. όταν προσθέτεις κενό στην αρχή μια γραμμής η γραμμή αυτή συνδέεται με την </a:t>
-            </a:r>
-            <a:r>
-              <a:rPr lang="el-GR" dirty="0" err="1"/>
-              <a:t>απο</a:t>
-            </a:r>
-            <a:r>
-              <a:rPr lang="el-GR" dirty="0"/>
-              <a:t> πάνω (δημιουργούνται </a:t>
+              <a:t>Όταν γράφεις Python θα πρέπει να προσέχεις τα κενά που αφήνεις στην αρχή κάθε γραμμής. Όταν προσθέτεις κενό στην αρχή μια γραμμής η γραμμή αυτή συνδέεται με την από πάνω (δημιουργούνται </a:t>
             </a:r>
             <a:r>
               <a:rPr lang="el-GR" dirty="0" err="1"/>
@@ -33121,15 +33012,7 @@
             </a:r>
             <a:r>
               <a:rPr lang="el-GR" dirty="0"/>
-              <a:t> of code). Στην </a:t>
-            </a:r>
-            <a:r>
-              <a:rPr lang="el-GR" dirty="0" err="1"/>
-              <a:t>Python</a:t>
-            </a:r>
-            <a:r>
-              <a:rPr lang="el-GR" dirty="0"/>
-              <a:t> χρησιμοποιείται όταν έχουμε </a:t>
+              <a:t> of code). Στην Python χρησιμοποιείται όταν έχουμε </a:t>
             </a:r>
             <a:r>
               <a:rPr lang="el-GR" dirty="0" err="1"/>

--- a/Lesson 1 Python.pptx
+++ b/Lesson 1 Python.pptx
@@ -20822,7 +20822,7 @@
             </a:pPr>
             <a:r>
               <a:rPr lang="en-US" dirty="0"/>
-              <a:t>string</a:t>
+              <a:t>String</a:t>
             </a:r>
           </a:p>
         </p:txBody>
@@ -21070,7 +21070,7 @@
             </a:pPr>
             <a:r>
               <a:rPr lang="en-US" dirty="0"/>
-              <a:t>float</a:t>
+              <a:t>Float</a:t>
             </a:r>
           </a:p>
         </p:txBody>
@@ -21286,7 +21286,7 @@
             </a:pPr>
             <a:r>
               <a:rPr lang="en-US" dirty="0"/>
-              <a:t>complex</a:t>
+              <a:t>Complex</a:t>
             </a:r>
           </a:p>
         </p:txBody>
@@ -24730,7 +24730,15 @@
             </a:r>
             <a:r>
               <a:rPr lang="el-GR" dirty="0"/>
-              <a:t>[0:3]`</a:t>
+              <a:t>[0:</a:t>
+            </a:r>
+            <a:r>
+              <a:rPr lang="en-US" dirty="0"/>
+              <a:t>3</a:t>
+            </a:r>
+            <a:r>
+              <a:rPr lang="el-GR" dirty="0"/>
+              <a:t>]`</a:t>
             </a:r>
             <a:endParaRPr lang="en-US" dirty="0"/>
           </a:p>
@@ -24770,11 +24778,15 @@
             </a:r>
             <a:r>
               <a:rPr lang="en-US" dirty="0"/>
-              <a:t>3</a:t>
+              <a:t>2</a:t>
+            </a:r>
+            <a:r>
+              <a:rPr lang="el-GR"/>
+              <a:t> </a:t>
             </a:r>
             <a:r>
               <a:rPr lang="el-GR" dirty="0"/>
-              <a:t> θα έδειχνε το 1ο και το 2ο </a:t>
+              <a:t>θα έδειχνε το 1ο και το 2ο </a:t>
             </a:r>
             <a:r>
               <a:rPr lang="el-GR" dirty="0" err="1"/>
